--- a/Paper/Diagram.pptx
+++ b/Paper/Diagram.pptx
@@ -1065,10 +1065,10 @@
                   <c:v>1.1277760876178886E-2</c:v>
                 </c:pt>
                 <c:pt idx="14">
-                  <c:v>9.9139832717826254E-3</c:v>
+                  <c:v>9.9140141242676401E-3</c:v>
                 </c:pt>
                 <c:pt idx="15">
-                  <c:v>2.7574456561599087E-2</c:v>
+                  <c:v>2.75742873100857E-2</c:v>
                 </c:pt>
                 <c:pt idx="16">
                   <c:v>1.0248301139115104E-2</c:v>
@@ -1083,7 +1083,7 @@
                   <c:v>1.1310055093488756E-2</c:v>
                 </c:pt>
                 <c:pt idx="20">
-                  <c:v>1.3836730771210962E-2</c:v>
+                  <c:v>1.3836696447878305E-2</c:v>
                 </c:pt>
                 <c:pt idx="21">
                   <c:v>1.1045232198826305E-2</c:v>
@@ -1095,13 +1095,13 @@
                   <c:v>6.6311479393468126E-2</c:v>
                 </c:pt>
                 <c:pt idx="24">
-                  <c:v>4.3173852860597224E-2</c:v>
+                  <c:v>4.3173795424652654E-2</c:v>
                 </c:pt>
                 <c:pt idx="25">
-                  <c:v>2.8145912638641656E-2</c:v>
+                  <c:v>2.8145857866630153E-2</c:v>
                 </c:pt>
                 <c:pt idx="26">
-                  <c:v>2.0155840479734972E-2</c:v>
+                  <c:v>2.0155788061141048E-2</c:v>
                 </c:pt>
                 <c:pt idx="27">
                   <c:v>1.5012513371142551E-2</c:v>
@@ -1134,7 +1134,7 @@
                   <c:v>1.8540497101636948E-2</c:v>
                 </c:pt>
                 <c:pt idx="37">
-                  <c:v>2.0068784235873681E-2</c:v>
+                  <c:v>2.0068820999227969E-2</c:v>
                 </c:pt>
                 <c:pt idx="38">
                   <c:v>2.3113905404017688E-2</c:v>
@@ -1143,22 +1143,22 @@
                   <c:v>6.2189426040061627E-2</c:v>
                 </c:pt>
                 <c:pt idx="40">
-                  <c:v>3.8826783744380325E-2</c:v>
+                  <c:v>3.8826672875333298E-2</c:v>
                 </c:pt>
                 <c:pt idx="41">
-                  <c:v>2.372694373704777E-2</c:v>
+                  <c:v>2.3726840634698064E-2</c:v>
                 </c:pt>
                 <c:pt idx="42">
-                  <c:v>1.5480110668266066E-2</c:v>
+                  <c:v>1.5480062299268661E-2</c:v>
                 </c:pt>
                 <c:pt idx="43">
-                  <c:v>1.1714335303413689E-2</c:v>
+                  <c:v>1.1714289629216871E-2</c:v>
                 </c:pt>
                 <c:pt idx="44">
                   <c:v>1.1057869517139697E-2</c:v>
                 </c:pt>
                 <c:pt idx="45">
-                  <c:v>1.1260647711672372E-2</c:v>
+                  <c:v>1.1260689062008963E-2</c:v>
                 </c:pt>
                 <c:pt idx="46">
                   <c:v>1.1483778512944817E-2</c:v>
@@ -1185,19 +1185,19 @@
                   <c:v>1.4015529126807282E-2</c:v>
                 </c:pt>
                 <c:pt idx="54">
-                  <c:v>1.6102232122405975E-2</c:v>
+                  <c:v>1.610226075404279E-2</c:v>
                 </c:pt>
                 <c:pt idx="55">
                   <c:v>6.4613791306889296E-2</c:v>
                 </c:pt>
                 <c:pt idx="56">
-                  <c:v>3.8763106289885628E-2</c:v>
+                  <c:v>3.8762992938189314E-2</c:v>
                 </c:pt>
                 <c:pt idx="57">
-                  <c:v>2.3217712822306103E-2</c:v>
+                  <c:v>2.3217609972333356E-2</c:v>
                 </c:pt>
                 <c:pt idx="58">
-                  <c:v>1.5401819488576184E-2</c:v>
+                  <c:v>1.5401772204569524E-2</c:v>
                 </c:pt>
                 <c:pt idx="59">
                   <c:v>1.1420961875134373E-2</c:v>
@@ -1206,10 +1206,10 @@
                   <c:v>1.0612172914445083E-2</c:v>
                 </c:pt>
                 <c:pt idx="61">
-                  <c:v>1.0485762273105487E-2</c:v>
+                  <c:v>1.048580079509384E-2</c:v>
                 </c:pt>
                 <c:pt idx="62">
-                  <c:v>1.0411016764007632E-2</c:v>
+                  <c:v>1.0411053175840021E-2</c:v>
                 </c:pt>
                 <c:pt idx="63">
                   <c:v>1.0372659214864893E-2</c:v>
@@ -1236,16 +1236,16 @@
                   <c:v>1.3183171323663576E-2</c:v>
                 </c:pt>
                 <c:pt idx="71">
-                  <c:v>4.2251386053702787E-2</c:v>
+                  <c:v>4.2251265264709077E-2</c:v>
                 </c:pt>
                 <c:pt idx="72">
-                  <c:v>2.4587109016865311E-2</c:v>
+                  <c:v>2.4587002409330292E-2</c:v>
                 </c:pt>
                 <c:pt idx="73">
-                  <c:v>1.5666925517942229E-2</c:v>
+                  <c:v>1.5666877582520829E-2</c:v>
                 </c:pt>
                 <c:pt idx="74">
-                  <c:v>1.2651673822738853E-2</c:v>
+                  <c:v>1.2651630188152335E-2</c:v>
                 </c:pt>
                 <c:pt idx="75">
                   <c:v>1.0967490299362673E-2</c:v>
@@ -1254,13 +1254,13 @@
                   <c:v>1.0562974893556735E-2</c:v>
                 </c:pt>
                 <c:pt idx="77">
-                  <c:v>1.0249151450801552E-2</c:v>
+                  <c:v>1.024918626307636E-2</c:v>
                 </c:pt>
                 <c:pt idx="78">
                   <c:v>1.1277760876178886E-2</c:v>
                 </c:pt>
                 <c:pt idx="79">
-                  <c:v>9.9139832717826254E-3</c:v>
+                  <c:v>9.9140141242676401E-3</c:v>
                 </c:pt>
                 <c:pt idx="80">
                   <c:v>9.5362857901943564E-3</c:v>
@@ -1281,16 +1281,16 @@
                   <c:v>1.1826192314437134E-2</c:v>
                 </c:pt>
                 <c:pt idx="86">
-                  <c:v>2.7574456561599087E-2</c:v>
+                  <c:v>2.75742873100857E-2</c:v>
                 </c:pt>
                 <c:pt idx="87">
-                  <c:v>1.733009852948458E-2</c:v>
+                  <c:v>1.7329949992573153E-2</c:v>
                 </c:pt>
                 <c:pt idx="88">
-                  <c:v>1.3103017689906349E-2</c:v>
+                  <c:v>1.3102973409790334E-2</c:v>
                 </c:pt>
                 <c:pt idx="89">
-                  <c:v>1.1684253604988003E-2</c:v>
+                  <c:v>1.1684213482695256E-2</c:v>
                 </c:pt>
                 <c:pt idx="90">
                   <c:v>1.1086672770123944E-2</c:v>
@@ -1323,19 +1323,19 @@
                   <c:v>1.1310055093488756E-2</c:v>
                 </c:pt>
                 <c:pt idx="100">
-                  <c:v>1.9761056875626778E-2</c:v>
+                  <c:v>1.9760903378973002E-2</c:v>
                 </c:pt>
                 <c:pt idx="101">
-                  <c:v>1.4399231073263628E-2</c:v>
+                  <c:v>1.4399096331428982E-2</c:v>
                 </c:pt>
                 <c:pt idx="102">
-                  <c:v>1.2467433843087777E-2</c:v>
+                  <c:v>1.2467393662758459E-2</c:v>
                 </c:pt>
                 <c:pt idx="103">
                   <c:v>1.1664030439314532E-2</c:v>
                 </c:pt>
                 <c:pt idx="104">
-                  <c:v>1.1122835822887882E-2</c:v>
+                  <c:v>1.1122869194932789E-2</c:v>
                 </c:pt>
                 <c:pt idx="105">
                   <c:v>1.0684831450285693E-2</c:v>
@@ -1362,13 +1362,13 @@
                   <c:v>1.120935510332415E-2</c:v>
                 </c:pt>
                 <c:pt idx="113">
-                  <c:v>1.9485748715158652E-2</c:v>
+                  <c:v>1.9485658787505449E-2</c:v>
                 </c:pt>
                 <c:pt idx="114">
-                  <c:v>1.3466662427267814E-2</c:v>
+                  <c:v>1.3466582938539317E-2</c:v>
                 </c:pt>
                 <c:pt idx="115">
-                  <c:v>1.2192364117794396E-2</c:v>
+                  <c:v>1.2192328335778439E-2</c:v>
                 </c:pt>
                 <c:pt idx="116">
                   <c:v>1.1477497398543184E-2</c:v>
@@ -1380,7 +1380,7 @@
                   <c:v>1.0662478741849888E-2</c:v>
                 </c:pt>
                 <c:pt idx="119">
-                  <c:v>8.7797444069684684E-3</c:v>
+                  <c:v>8.7797701931903744E-3</c:v>
                 </c:pt>
                 <c:pt idx="120">
                   <c:v>1.0163978345397191E-2</c:v>
@@ -1395,10 +1395,10 @@
                   <c:v>1.0291240506329114E-2</c:v>
                 </c:pt>
                 <c:pt idx="124">
-                  <c:v>1.148369449500985E-2</c:v>
+                  <c:v>1.1483713676828555E-2</c:v>
                 </c:pt>
                 <c:pt idx="125">
-                  <c:v>1.3836730771210962E-2</c:v>
+                  <c:v>1.3836696447878305E-2</c:v>
                 </c:pt>
                 <c:pt idx="126">
                   <c:v>1.2601239398648269E-2</c:v>
@@ -1407,7 +1407,7 @@
                   <c:v>1.186863161262494E-2</c:v>
                 </c:pt>
                 <c:pt idx="128">
-                  <c:v>1.1381161348922194E-2</c:v>
+                  <c:v>1.1381187752817296E-2</c:v>
                 </c:pt>
                 <c:pt idx="129">
                   <c:v>1.1045232198826305E-2</c:v>
@@ -1882,79 +1882,79 @@
                 <c:formatCode>0.00E+00</c:formatCode>
                 <c:ptCount val="135"/>
                 <c:pt idx="0">
-                  <c:v>2.4969301452014571E-2</c:v>
+                  <c:v>2.4969360887731874E-2</c:v>
                 </c:pt>
                 <c:pt idx="1">
-                  <c:v>1.9696113020353113E-2</c:v>
+                  <c:v>1.9696189220699063E-2</c:v>
                 </c:pt>
                 <c:pt idx="2">
-                  <c:v>1.0767035226449551E-2</c:v>
+                  <c:v>1.0766991849464511E-2</c:v>
                 </c:pt>
                 <c:pt idx="3">
-                  <c:v>1.2381887385210245E-2</c:v>
+                  <c:v>1.2381853820954835E-2</c:v>
                 </c:pt>
                 <c:pt idx="4">
-                  <c:v>1.1352103681750081E-2</c:v>
+                  <c:v>1.1352021810500806E-2</c:v>
                 </c:pt>
                 <c:pt idx="5">
-                  <c:v>9.4964532591790708E-3</c:v>
+                  <c:v>9.4965116177281594E-3</c:v>
                 </c:pt>
                 <c:pt idx="6">
-                  <c:v>1.0278495592948718E-2</c:v>
+                  <c:v>1.027842047275641E-2</c:v>
                 </c:pt>
                 <c:pt idx="7">
-                  <c:v>9.9690492971856778E-3</c:v>
+                  <c:v>9.9690257246778241E-3</c:v>
                 </c:pt>
                 <c:pt idx="8">
                   <c:v>1.0056379075751385E-2</c:v>
                 </c:pt>
                 <c:pt idx="9">
-                  <c:v>2.4969301452014571E-2</c:v>
+                  <c:v>2.4969360887731874E-2</c:v>
                 </c:pt>
                 <c:pt idx="10">
-                  <c:v>1.4649255608662839E-2</c:v>
+                  <c:v>1.4649209870331832E-2</c:v>
                 </c:pt>
                 <c:pt idx="11">
-                  <c:v>2.7489318022795323E-2</c:v>
+                  <c:v>2.7489389058387707E-2</c:v>
                 </c:pt>
                 <c:pt idx="12">
-                  <c:v>2.4699351352027572E-2</c:v>
+                  <c:v>2.469947645289014E-2</c:v>
                 </c:pt>
                 <c:pt idx="13">
-                  <c:v>1.1188249996728478E-2</c:v>
+                  <c:v>1.118834814242904E-2</c:v>
                 </c:pt>
                 <c:pt idx="14">
-                  <c:v>9.8960588732411748E-3</c:v>
+                  <c:v>9.8961822454984548E-3</c:v>
                 </c:pt>
                 <c:pt idx="15">
-                  <c:v>1.6534981091301998E-2</c:v>
+                  <c:v>1.6534362056546011E-2</c:v>
                 </c:pt>
                 <c:pt idx="16">
-                  <c:v>1.0195357992809762E-2</c:v>
+                  <c:v>1.0195579523013823E-2</c:v>
                 </c:pt>
                 <c:pt idx="17">
-                  <c:v>1.0022138626872385E-2</c:v>
+                  <c:v>1.002234580653563E-2</c:v>
                 </c:pt>
                 <c:pt idx="18">
-                  <c:v>9.868922611197364E-3</c:v>
+                  <c:v>9.8690895533185326E-3</c:v>
                 </c:pt>
                 <c:pt idx="19">
-                  <c:v>1.2996264185221356E-2</c:v>
+                  <c:v>1.299611492321536E-2</c:v>
                 </c:pt>
                 <c:pt idx="20">
-                  <c:v>1.7074736957775886E-2</c:v>
+                  <c:v>1.7073088651410676E-2</c:v>
                 </c:pt>
                 <c:pt idx="21">
-                  <c:v>1.3230969717941734E-2</c:v>
+                  <c:v>1.3230626133521814E-2</c:v>
                 </c:pt>
                 <c:pt idx="22">
-                  <c:v>1.6752150203125572E-2</c:v>
+                  <c:v>1.6751985506715954E-2</c:v>
                 </c:pt>
                 <c:pt idx="23">
-                  <c:v>2.4969301452014571E-2</c:v>
+                  <c:v>2.4969360887731874E-2</c:v>
                 </c:pt>
                 <c:pt idx="24">
-                  <c:v>1.7059216674690608E-2</c:v>
+                  <c:v>1.7059273314264677E-2</c:v>
                 </c:pt>
                 <c:pt idx="25">
                   <c:v>1.3714732605944746E-2</c:v>
@@ -1963,49 +1963,49 @@
                   <c:v>1.4339545852986602E-2</c:v>
                 </c:pt>
                 <c:pt idx="27">
-                  <c:v>1.2947878800084585E-2</c:v>
+                  <c:v>1.2947828451166585E-2</c:v>
                 </c:pt>
                 <c:pt idx="28">
-                  <c:v>1.3456159984429741E-2</c:v>
+                  <c:v>1.3456111327364736E-2</c:v>
                 </c:pt>
                 <c:pt idx="29">
-                  <c:v>1.4057095670638198E-2</c:v>
+                  <c:v>1.4057048484133538E-2</c:v>
                 </c:pt>
                 <c:pt idx="30">
-                  <c:v>1.4649255608662839E-2</c:v>
+                  <c:v>1.4649209870331832E-2</c:v>
                 </c:pt>
                 <c:pt idx="31">
-                  <c:v>1.5319796097794909E-2</c:v>
+                  <c:v>1.53197516940046E-2</c:v>
                 </c:pt>
                 <c:pt idx="32">
                   <c:v>1.5918318080121393E-2</c:v>
                 </c:pt>
                 <c:pt idx="33">
-                  <c:v>1.6293709506961358E-2</c:v>
+                  <c:v>1.6293751279277173E-2</c:v>
                 </c:pt>
                 <c:pt idx="34">
-                  <c:v>1.7093516543237916E-2</c:v>
+                  <c:v>1.7093557100330135E-2</c:v>
                 </c:pt>
                 <c:pt idx="35">
-                  <c:v>1.8026505749206362E-2</c:v>
+                  <c:v>1.802654508691667E-2</c:v>
                 </c:pt>
                 <c:pt idx="36">
-                  <c:v>1.9696113020353113E-2</c:v>
+                  <c:v>1.9696189220699063E-2</c:v>
                 </c:pt>
                 <c:pt idx="37">
-                  <c:v>2.2706923592345246E-2</c:v>
+                  <c:v>2.270699722408347E-2</c:v>
                 </c:pt>
                 <c:pt idx="38">
-                  <c:v>2.7489318022795323E-2</c:v>
+                  <c:v>2.7489389058387707E-2</c:v>
                 </c:pt>
                 <c:pt idx="39">
-                  <c:v>2.2637224235902108E-2</c:v>
+                  <c:v>2.2637342494427067E-2</c:v>
                 </c:pt>
                 <c:pt idx="40">
-                  <c:v>1.4663660649146192E-2</c:v>
+                  <c:v>1.4663770357814822E-2</c:v>
                 </c:pt>
                 <c:pt idx="41">
-                  <c:v>1.1388090075404577E-2</c:v>
+                  <c:v>1.138819259692128E-2</c:v>
                 </c:pt>
                 <c:pt idx="42">
                   <c:v>1.0925608749981906E-2</c:v>
@@ -2014,277 +2014,277 @@
                   <c:v>1.0622443949463229E-2</c:v>
                 </c:pt>
                 <c:pt idx="44">
-                  <c:v>1.0767035226449551E-2</c:v>
+                  <c:v>1.0766991849464511E-2</c:v>
                 </c:pt>
                 <c:pt idx="45">
-                  <c:v>1.096536343361704E-2</c:v>
+                  <c:v>1.0965280679904503E-2</c:v>
                 </c:pt>
                 <c:pt idx="46">
-                  <c:v>1.119032853130666E-2</c:v>
+                  <c:v>1.1190289030127549E-2</c:v>
                 </c:pt>
                 <c:pt idx="47">
-                  <c:v>1.152665886425701E-2</c:v>
+                  <c:v>1.1526620988481976E-2</c:v>
                 </c:pt>
                 <c:pt idx="48">
-                  <c:v>1.1880340947934165E-2</c:v>
+                  <c:v>1.1880268220132509E-2</c:v>
                 </c:pt>
                 <c:pt idx="49">
-                  <c:v>1.2141520957665863E-2</c:v>
+                  <c:v>1.2141451156946915E-2</c:v>
                 </c:pt>
                 <c:pt idx="50">
-                  <c:v>1.2381887385210245E-2</c:v>
+                  <c:v>1.2381853820954835E-2</c:v>
                 </c:pt>
                 <c:pt idx="51">
-                  <c:v>1.2741121664171786E-2</c:v>
+                  <c:v>1.2741089402777061E-2</c:v>
                 </c:pt>
                 <c:pt idx="52">
-                  <c:v>1.3607428537727794E-2</c:v>
+                  <c:v>1.3607366457352332E-2</c:v>
                 </c:pt>
                 <c:pt idx="53">
-                  <c:v>1.5538599828584569E-2</c:v>
+                  <c:v>1.5538569965268962E-2</c:v>
                 </c:pt>
                 <c:pt idx="54">
-                  <c:v>1.8946652353370036E-2</c:v>
+                  <c:v>1.8946623650235077E-2</c:v>
                 </c:pt>
                 <c:pt idx="55">
-                  <c:v>2.4699351352027572E-2</c:v>
+                  <c:v>2.469947645289014E-2</c:v>
                 </c:pt>
                 <c:pt idx="56">
-                  <c:v>1.589559284694669E-2</c:v>
+                  <c:v>1.5895649046297023E-2</c:v>
                 </c:pt>
                 <c:pt idx="57">
-                  <c:v>1.228055707795301E-2</c:v>
+                  <c:v>1.2280659519650879E-2</c:v>
                 </c:pt>
                 <c:pt idx="58">
-                  <c:v>1.1723685266771497E-2</c:v>
+                  <c:v>1.172377970751701E-2</c:v>
                 </c:pt>
                 <c:pt idx="59">
-                  <c:v>1.0550667655460822E-2</c:v>
+                  <c:v>1.055075541825554E-2</c:v>
                 </c:pt>
                 <c:pt idx="60">
-                  <c:v>1.0296418515691056E-2</c:v>
+                  <c:v>1.0296459559517654E-2</c:v>
                 </c:pt>
                 <c:pt idx="61">
-                  <c:v>1.0114389920424403E-2</c:v>
+                  <c:v>1.0114428474492627E-2</c:v>
                 </c:pt>
                 <c:pt idx="62">
-                  <c:v>1.0071629740551688E-2</c:v>
+                  <c:v>1.0071666174804256E-2</c:v>
                 </c:pt>
                 <c:pt idx="63">
-                  <c:v>1.0171718184426781E-2</c:v>
+                  <c:v>1.0171752756237619E-2</c:v>
                 </c:pt>
                 <c:pt idx="64">
                   <c:v>1.034603701088652E-2</c:v>
                 </c:pt>
                 <c:pt idx="65">
-                  <c:v>1.0497419536454913E-2</c:v>
+                  <c:v>1.0497388258108911E-2</c:v>
                 </c:pt>
                 <c:pt idx="66">
-                  <c:v>1.0286007408158519E-2</c:v>
+                  <c:v>1.0285977584654018E-2</c:v>
                 </c:pt>
                 <c:pt idx="67">
-                  <c:v>1.0749480795125178E-2</c:v>
+                  <c:v>1.0749395211904055E-2</c:v>
                 </c:pt>
                 <c:pt idx="68">
-                  <c:v>1.1352103681750081E-2</c:v>
+                  <c:v>1.1352021810500806E-2</c:v>
                 </c:pt>
                 <c:pt idx="69">
-                  <c:v>1.3991297302947939E-2</c:v>
+                  <c:v>1.3991192766046413E-2</c:v>
                 </c:pt>
                 <c:pt idx="70">
-                  <c:v>1.5296787866945242E-2</c:v>
+                  <c:v>1.5296662608286112E-2</c:v>
                 </c:pt>
                 <c:pt idx="71">
-                  <c:v>1.9686604391255861E-2</c:v>
+                  <c:v>1.9686484477114387E-2</c:v>
                 </c:pt>
                 <c:pt idx="72">
-                  <c:v>1.38933115095603E-2</c:v>
+                  <c:v>1.3893258367255837E-2</c:v>
                 </c:pt>
                 <c:pt idx="73">
-                  <c:v>1.2054254468113644E-2</c:v>
+                  <c:v>1.2054302370698947E-2</c:v>
                 </c:pt>
                 <c:pt idx="74">
-                  <c:v>1.1890503173757783E-2</c:v>
+                  <c:v>1.1890634140378756E-2</c:v>
                 </c:pt>
                 <c:pt idx="75">
-                  <c:v>1.0680419673292311E-2</c:v>
+                  <c:v>1.0680580652690973E-2</c:v>
                 </c:pt>
                 <c:pt idx="76">
-                  <c:v>1.0245034570508538E-2</c:v>
+                  <c:v>1.0245221135584303E-2</c:v>
                 </c:pt>
                 <c:pt idx="77">
-                  <c:v>9.9842921178474268E-3</c:v>
+                  <c:v>9.9844662628823799E-3</c:v>
                 </c:pt>
                 <c:pt idx="78">
-                  <c:v>1.1188249996728478E-2</c:v>
+                  <c:v>1.118834814242904E-2</c:v>
                 </c:pt>
                 <c:pt idx="79">
-                  <c:v>9.8960588732411748E-3</c:v>
+                  <c:v>9.8961822454984548E-3</c:v>
                 </c:pt>
                 <c:pt idx="80">
-                  <c:v>9.4964532591790708E-3</c:v>
+                  <c:v>9.4965116177281594E-3</c:v>
                 </c:pt>
                 <c:pt idx="81">
-                  <c:v>9.8858741212307331E-3</c:v>
+                  <c:v>9.885901788110437E-3</c:v>
                 </c:pt>
                 <c:pt idx="82">
-                  <c:v>9.9291087734792692E-3</c:v>
+                  <c:v>9.9290824882636505E-3</c:v>
                 </c:pt>
                 <c:pt idx="83">
-                  <c:v>1.0278495592948718E-2</c:v>
+                  <c:v>1.027842047275641E-2</c:v>
                 </c:pt>
                 <c:pt idx="84">
-                  <c:v>1.1389484747868045E-2</c:v>
+                  <c:v>1.1389365310656187E-2</c:v>
                 </c:pt>
                 <c:pt idx="85">
-                  <c:v>1.3585966834434667E-2</c:v>
+                  <c:v>1.3585807055386265E-2</c:v>
                 </c:pt>
                 <c:pt idx="86">
-                  <c:v>1.6534981091301998E-2</c:v>
+                  <c:v>1.6534362056546011E-2</c:v>
                 </c:pt>
                 <c:pt idx="87">
-                  <c:v>1.3595444443894494E-2</c:v>
+                  <c:v>1.359509797613332E-2</c:v>
                 </c:pt>
                 <c:pt idx="88">
-                  <c:v>1.227161959786972E-2</c:v>
+                  <c:v>1.2271530983881115E-2</c:v>
                 </c:pt>
                 <c:pt idx="89">
-                  <c:v>1.1468710345824565E-2</c:v>
+                  <c:v>1.1468750501951588E-2</c:v>
                 </c:pt>
                 <c:pt idx="90">
-                  <c:v>1.0886032171187214E-2</c:v>
+                  <c:v>1.0886179340387644E-2</c:v>
                 </c:pt>
                 <c:pt idx="91">
-                  <c:v>1.0463586743976466E-2</c:v>
+                  <c:v>1.0463824794681267E-2</c:v>
                 </c:pt>
                 <c:pt idx="92">
-                  <c:v>1.0195357992809762E-2</c:v>
+                  <c:v>1.0195579523013823E-2</c:v>
                 </c:pt>
                 <c:pt idx="93">
-                  <c:v>1.0022138626872385E-2</c:v>
+                  <c:v>1.002234580653563E-2</c:v>
                 </c:pt>
                 <c:pt idx="94">
-                  <c:v>9.868922611197364E-3</c:v>
+                  <c:v>9.8690895533185326E-3</c:v>
                 </c:pt>
                 <c:pt idx="95">
-                  <c:v>9.7307171427671573E-3</c:v>
+                  <c:v>9.730822126337229E-3</c:v>
                 </c:pt>
                 <c:pt idx="96">
-                  <c:v>9.6865554879487399E-3</c:v>
+                  <c:v>9.6866051582620346E-3</c:v>
                 </c:pt>
                 <c:pt idx="97">
-                  <c:v>9.9690492971856778E-3</c:v>
+                  <c:v>9.9690257246778241E-3</c:v>
                 </c:pt>
                 <c:pt idx="98">
-                  <c:v>1.0940026388120416E-2</c:v>
+                  <c:v>1.0939914384213722E-2</c:v>
                 </c:pt>
                 <c:pt idx="99">
-                  <c:v>1.2996264185221356E-2</c:v>
+                  <c:v>1.299611492321536E-2</c:v>
                 </c:pt>
                 <c:pt idx="100">
-                  <c:v>1.5653724166155108E-2</c:v>
+                  <c:v>1.5652342950685492E-2</c:v>
                 </c:pt>
                 <c:pt idx="101">
-                  <c:v>1.3313619040770837E-2</c:v>
+                  <c:v>1.3312765154238872E-2</c:v>
                 </c:pt>
                 <c:pt idx="102">
-                  <c:v>1.2130722370775449E-2</c:v>
+                  <c:v>1.2130320271818896E-2</c:v>
                 </c:pt>
                 <c:pt idx="103">
-                  <c:v>1.1400296088855828E-2</c:v>
+                  <c:v>1.1400150232276602E-2</c:v>
                 </c:pt>
                 <c:pt idx="104">
-                  <c:v>1.0889917626797325E-2</c:v>
+                  <c:v>1.0889951003297598E-2</c:v>
                 </c:pt>
                 <c:pt idx="105">
-                  <c:v>1.0517816702870083E-2</c:v>
+                  <c:v>1.0517970759963642E-2</c:v>
                 </c:pt>
                 <c:pt idx="106">
-                  <c:v>1.0225952245757121E-2</c:v>
+                  <c:v>1.0226124312450173E-2</c:v>
                 </c:pt>
                 <c:pt idx="107">
-                  <c:v>9.9783944329476862E-3</c:v>
+                  <c:v>9.9785552684344275E-3</c:v>
                 </c:pt>
                 <c:pt idx="108">
-                  <c:v>9.7872918585166294E-3</c:v>
+                  <c:v>9.7874428224211593E-3</c:v>
                 </c:pt>
                 <c:pt idx="109">
-                  <c:v>9.7404764726798636E-3</c:v>
+                  <c:v>9.7405475880052144E-3</c:v>
                 </c:pt>
                 <c:pt idx="110">
                   <c:v>1.0056379075751385E-2</c:v>
                 </c:pt>
                 <c:pt idx="111">
-                  <c:v>1.1046082351163816E-2</c:v>
+                  <c:v>1.1046018516351286E-2</c:v>
                 </c:pt>
                 <c:pt idx="112">
-                  <c:v>1.3089206926032448E-2</c:v>
+                  <c:v>1.308908565780937E-2</c:v>
                 </c:pt>
                 <c:pt idx="113">
-                  <c:v>1.9027452850561479E-2</c:v>
+                  <c:v>1.9025698243593438E-2</c:v>
                 </c:pt>
                 <c:pt idx="114">
-                  <c:v>1.3656584939052278E-2</c:v>
+                  <c:v>1.3655153214420649E-2</c:v>
                 </c:pt>
                 <c:pt idx="115">
-                  <c:v>1.236417722379928E-2</c:v>
+                  <c:v>1.2363318095742662E-2</c:v>
                 </c:pt>
                 <c:pt idx="116">
-                  <c:v>1.1586421981352664E-2</c:v>
+                  <c:v>1.1585934171715497E-2</c:v>
                 </c:pt>
                 <c:pt idx="117">
-                  <c:v>1.1062419460448539E-2</c:v>
+                  <c:v>1.1062180271061373E-2</c:v>
                 </c:pt>
                 <c:pt idx="118">
-                  <c:v>1.0743962502872361E-2</c:v>
+                  <c:v>1.0743879446623902E-2</c:v>
                 </c:pt>
                 <c:pt idx="119">
                   <c:v>8.892915317841605E-3</c:v>
                 </c:pt>
                 <c:pt idx="120">
-                  <c:v>1.0331190703689763E-2</c:v>
+                  <c:v>1.0331238961114169E-2</c:v>
                 </c:pt>
                 <c:pt idx="121">
                   <c:v>1.0384023217156715E-2</c:v>
                 </c:pt>
                 <c:pt idx="122">
-                  <c:v>1.085892148204042E-2</c:v>
+                  <c:v>1.0858878608850741E-2</c:v>
                 </c:pt>
                 <c:pt idx="123">
-                  <c:v>1.2028373774044754E-2</c:v>
+                  <c:v>1.202829260175454E-2</c:v>
                 </c:pt>
                 <c:pt idx="124">
-                  <c:v>1.4104988230493703E-2</c:v>
+                  <c:v>1.4104872748829303E-2</c:v>
                 </c:pt>
                 <c:pt idx="125">
-                  <c:v>1.7074736957775886E-2</c:v>
+                  <c:v>1.7073088651410676E-2</c:v>
                 </c:pt>
                 <c:pt idx="126">
-                  <c:v>1.5408176322433858E-2</c:v>
+                  <c:v>1.5406990353075561E-2</c:v>
                 </c:pt>
                 <c:pt idx="127">
-                  <c:v>1.4368690763878176E-2</c:v>
+                  <c:v>1.4367919515999108E-2</c:v>
                 </c:pt>
                 <c:pt idx="128">
-                  <c:v>1.3624416566347757E-2</c:v>
+                  <c:v>1.3623888572092336E-2</c:v>
                 </c:pt>
                 <c:pt idx="129">
-                  <c:v>1.3230969717941734E-2</c:v>
+                  <c:v>1.3230626133521814E-2</c:v>
                 </c:pt>
                 <c:pt idx="130">
-                  <c:v>1.3018000537329473E-2</c:v>
+                  <c:v>1.3017770909349762E-2</c:v>
                 </c:pt>
                 <c:pt idx="131">
-                  <c:v>1.3131131973670012E-2</c:v>
+                  <c:v>1.3130959318010144E-2</c:v>
                 </c:pt>
                 <c:pt idx="132">
-                  <c:v>1.3677624757858027E-2</c:v>
+                  <c:v>1.3677461802167718E-2</c:v>
                 </c:pt>
                 <c:pt idx="133">
-                  <c:v>1.4839067681168078E-2</c:v>
+                  <c:v>1.4838913540665155E-2</c:v>
                 </c:pt>
                 <c:pt idx="134">
-                  <c:v>1.6752150203125572E-2</c:v>
+                  <c:v>1.6751985506715954E-2</c:v>
                 </c:pt>
               </c:numCache>
             </c:numRef>
@@ -2299,10 +2299,10 @@
                   <c:v>6.0693971435194271E-3</c:v>
                 </c:pt>
                 <c:pt idx="1">
-                  <c:v>-3.9172692844025516E-5</c:v>
+                  <c:v>-3.9173073845755261E-5</c:v>
                 </c:pt>
                 <c:pt idx="2">
-                  <c:v>-2.2869517691303349E-4</c:v>
+                  <c:v>-2.2869561068288391E-4</c:v>
                 </c:pt>
                 <c:pt idx="3">
                   <c:v>-1.0615132108909295E-3</c:v>
@@ -2347,7 +2347,7 @@
                   <c:v>2.8536286647425188E-3</c:v>
                 </c:pt>
                 <c:pt idx="17">
-                  <c:v>2.2706032775822725E-4</c:v>
+                  <c:v>2.2706003178727977E-4</c:v>
                 </c:pt>
                 <c:pt idx="18">
                   <c:v>1.7837737822963445E-3</c:v>
@@ -2404,7 +2404,7 @@
                   <c:v>2.0907402963703092E-3</c:v>
                 </c:pt>
                 <c:pt idx="36">
-                  <c:v>-3.9172692844025516E-5</c:v>
+                  <c:v>-3.9173073845755261E-5</c:v>
                 </c:pt>
                 <c:pt idx="37">
                   <c:v>-3.216735021463652E-4</c:v>
@@ -2428,7 +2428,7 @@
                   <c:v>-7.8730008033301682E-4</c:v>
                 </c:pt>
                 <c:pt idx="44">
-                  <c:v>-2.2869517691303349E-4</c:v>
+                  <c:v>-2.2869561068288391E-4</c:v>
                 </c:pt>
                 <c:pt idx="45">
                   <c:v>3.7827384031016093E-3</c:v>
@@ -2449,7 +2449,7 @@
                   <c:v>-1.0615132108909295E-3</c:v>
                 </c:pt>
                 <c:pt idx="51">
-                  <c:v>2.0392879264956383E-5</c:v>
+                  <c:v>2.0392750219377487E-5</c:v>
                 </c:pt>
                 <c:pt idx="52">
                   <c:v>-4.6848644940604601E-4</c:v>
@@ -2476,7 +2476,7 @@
                   <c:v>-1.0840548166415811E-3</c:v>
                 </c:pt>
                 <c:pt idx="60">
-                  <c:v>1.6621969939501399E-4</c:v>
+                  <c:v>1.6621928895674802E-4</c:v>
                 </c:pt>
                 <c:pt idx="61">
                   <c:v>2.075245974955277E-3</c:v>
@@ -2485,7 +2485,7 @@
                   <c:v>9.1084174053711374E-4</c:v>
                 </c:pt>
                 <c:pt idx="63">
-                  <c:v>1.2354755179721558E-5</c:v>
+                  <c:v>1.2354547748856537E-5</c:v>
                 </c:pt>
                 <c:pt idx="64">
                   <c:v>-1.531140703765127E-3</c:v>
@@ -2515,7 +2515,7 @@
                   <c:v>-1.0738837458947571E-3</c:v>
                 </c:pt>
                 <c:pt idx="73">
-                  <c:v>-4.2057080720646486E-4</c:v>
+                  <c:v>-4.2057128623231791E-4</c:v>
                 </c:pt>
                 <c:pt idx="74">
                   <c:v>1.5562283359381139E-3</c:v>
@@ -2524,7 +2524,7 @@
                   <c:v>-2.093243292189682E-3</c:v>
                 </c:pt>
                 <c:pt idx="76">
-                  <c:v>3.6397950769207805E-4</c:v>
+                  <c:v>3.6397913456192649E-4</c:v>
                 </c:pt>
                 <c:pt idx="77">
                   <c:v>-3.1644347078020461E-4</c:v>
@@ -2539,7 +2539,7 @@
                   <c:v>-2.1789185577268176E-3</c:v>
                 </c:pt>
                 <c:pt idx="81">
-                  <c:v>1.2296434015875257E-3</c:v>
+                  <c:v>1.2296406348995554E-3</c:v>
                 </c:pt>
                 <c:pt idx="82">
                   <c:v>2.8831727306659095E-3</c:v>
@@ -2563,10 +2563,10 @@
                   <c:v>-2.567089650772271E-3</c:v>
                 </c:pt>
                 <c:pt idx="89">
-                  <c:v>5.1490996996321698E-4</c:v>
+                  <c:v>5.149059543505147E-4</c:v>
                 </c:pt>
                 <c:pt idx="90">
-                  <c:v>-3.0552767516814084E-4</c:v>
+                  <c:v>-3.0552804309114188E-4</c:v>
                 </c:pt>
                 <c:pt idx="91">
                   <c:v>2.3815102616857389E-3</c:v>
@@ -2575,7 +2575,7 @@
                   <c:v>2.8536286647425188E-3</c:v>
                 </c:pt>
                 <c:pt idx="93">
-                  <c:v>2.2706032775822725E-4</c:v>
+                  <c:v>2.2706003178727977E-4</c:v>
                 </c:pt>
                 <c:pt idx="94">
                   <c:v>1.7837737822963445E-3</c:v>
@@ -2608,13 +2608,13 @@
                   <c:v>-2.8378731193617313E-3</c:v>
                 </c:pt>
                 <c:pt idx="104">
-                  <c:v>-5.7075818058021705E-5</c:v>
+                  <c:v>-5.7076151823024442E-5</c:v>
                 </c:pt>
                 <c:pt idx="105">
                   <c:v>-3.5728304909799571E-3</c:v>
                 </c:pt>
                 <c:pt idx="106">
-                  <c:v>4.2802450229709032E-5</c:v>
+                  <c:v>4.2802163451887287E-5</c:v>
                 </c:pt>
                 <c:pt idx="107">
                   <c:v>2.5971928846380663E-3</c:v>
@@ -2623,7 +2623,7 @@
                   <c:v>2.5243177689547759E-4</c:v>
                 </c:pt>
                 <c:pt idx="109">
-                  <c:v>-3.0681284816878038E-4</c:v>
+                  <c:v>-3.0681521867962546E-4</c:v>
                 </c:pt>
                 <c:pt idx="110">
                   <c:v>-2.2574307666746E-3</c:v>
@@ -2647,22 +2647,22 @@
                   <c:v>3.4090088683792037E-4</c:v>
                 </c:pt>
                 <c:pt idx="117">
-                  <c:v>2.92725054789319E-4</c:v>
+                  <c:v>2.9272475580258503E-4</c:v>
                 </c:pt>
                 <c:pt idx="118">
-                  <c:v>-1.9501883992569232E-4</c:v>
+                  <c:v>-1.9501911677985388E-4</c:v>
                 </c:pt>
                 <c:pt idx="119">
                   <c:v>1.3068980803727912E-3</c:v>
                 </c:pt>
                 <c:pt idx="120">
-                  <c:v>2.3534084218857073E-4</c:v>
+                  <c:v>2.353406009014487E-4</c:v>
                 </c:pt>
                 <c:pt idx="121">
                   <c:v>3.2126604354579393E-4</c:v>
                 </c:pt>
                 <c:pt idx="122">
-                  <c:v>-9.302131654990867E-4</c:v>
+                  <c:v>-9.3021530915857078E-4</c:v>
                 </c:pt>
                 <c:pt idx="123">
                   <c:v>-3.1016540883438619E-3</c:v>
@@ -2762,7 +2762,7 @@
                   <c:v>1.0072463255493696E-2</c:v>
                 </c:pt>
                 <c:pt idx="8">
-                  <c:v>1.0709953581080475E-2</c:v>
+                  <c:v>1.0709931134794437E-2</c:v>
                 </c:pt>
                 <c:pt idx="9">
                   <c:v>1.6503383822107639E-2</c:v>
@@ -2774,7 +2774,7 @@
                   <c:v>2.652957320428748E-2</c:v>
                 </c:pt>
                 <c:pt idx="12">
-                  <c:v>1.7947162758023747E-2</c:v>
+                  <c:v>1.79472254802958E-2</c:v>
                 </c:pt>
                 <c:pt idx="13">
                   <c:v>1.1187143614688148E-2</c:v>
@@ -2795,13 +2795,13 @@
                   <c:v>9.8372295047277521E-3</c:v>
                 </c:pt>
                 <c:pt idx="19">
-                  <c:v>1.2851216855424744E-2</c:v>
+                  <c:v>1.2851195538871801E-2</c:v>
                 </c:pt>
                 <c:pt idx="20">
                   <c:v>3.1571205432937177E-2</c:v>
                 </c:pt>
                 <c:pt idx="21">
-                  <c:v>2.3576436801224822E-2</c:v>
+                  <c:v>2.3576461180646643E-2</c:v>
                 </c:pt>
                 <c:pt idx="22">
                   <c:v>2.4246208969571623E-2</c:v>
@@ -2810,7 +2810,7 @@
                   <c:v>1.6503383822107639E-2</c:v>
                 </c:pt>
                 <c:pt idx="24">
-                  <c:v>1.2995150427602811E-2</c:v>
+                  <c:v>1.2995093641040784E-2</c:v>
                 </c:pt>
                 <c:pt idx="25">
                   <c:v>1.2299566468486012E-2</c:v>
@@ -2819,7 +2819,7 @@
                   <c:v>1.405726639894303E-2</c:v>
                 </c:pt>
                 <c:pt idx="27">
-                  <c:v>1.2814305503085254E-2</c:v>
+                  <c:v>1.2814255131595516E-2</c:v>
                 </c:pt>
                 <c:pt idx="28">
                   <c:v>1.3369461004988441E-2</c:v>
@@ -2858,7 +2858,7 @@
                   <c:v>1.5263089245800946E-2</c:v>
                 </c:pt>
                 <c:pt idx="40">
-                  <c:v>1.1556004745792504E-2</c:v>
+                  <c:v>1.1555949817638529E-2</c:v>
                 </c:pt>
                 <c:pt idx="41">
                   <c:v>1.062305759269706E-2</c:v>
@@ -2900,22 +2900,22 @@
                   <c:v>1.5362855940775751E-2</c:v>
                 </c:pt>
                 <c:pt idx="54">
-                  <c:v>1.827675873418157E-2</c:v>
+                  <c:v>1.8276730064621188E-2</c:v>
                 </c:pt>
                 <c:pt idx="55">
-                  <c:v>1.7947162758023747E-2</c:v>
+                  <c:v>1.79472254802958E-2</c:v>
                 </c:pt>
                 <c:pt idx="56">
                   <c:v>1.3314479319679651E-2</c:v>
                 </c:pt>
                 <c:pt idx="57">
-                  <c:v>1.1620358268624587E-2</c:v>
+                  <c:v>1.1620307014171856E-2</c:v>
                 </c:pt>
                 <c:pt idx="58">
                   <c:v>1.1524252585840456E-2</c:v>
                 </c:pt>
                 <c:pt idx="59">
-                  <c:v>1.0307160346476871E-2</c:v>
+                  <c:v>1.0307116466427374E-2</c:v>
                 </c:pt>
                 <c:pt idx="60">
                   <c:v>1.0015717850224893E-2</c:v>
@@ -2948,13 +2948,13 @@
                   <c:v>1.3885088454777445E-2</c:v>
                 </c:pt>
                 <c:pt idx="70">
-                  <c:v>1.4807918046367977E-2</c:v>
+                  <c:v>1.4807893017772805E-2</c:v>
                 </c:pt>
                 <c:pt idx="71">
-                  <c:v>1.7437797649432776E-2</c:v>
+                  <c:v>1.7437857704803827E-2</c:v>
                 </c:pt>
                 <c:pt idx="72">
-                  <c:v>1.3303846890359369E-2</c:v>
+                  <c:v>1.330379369773825E-2</c:v>
                 </c:pt>
                 <c:pt idx="73">
                   <c:v>1.1905768447288327E-2</c:v>
@@ -2963,13 +2963,13 @@
                   <c:v>1.1760245973236435E-2</c:v>
                 </c:pt>
                 <c:pt idx="75">
-                  <c:v>1.0538487243388182E-2</c:v>
+                  <c:v>1.0538446982659704E-2</c:v>
                 </c:pt>
                 <c:pt idx="76">
                   <c:v>1.0158797706504212E-2</c:v>
                 </c:pt>
                 <c:pt idx="77">
-                  <c:v>9.962400906002266E-3</c:v>
+                  <c:v>9.9623660597613038E-3</c:v>
                 </c:pt>
                 <c:pt idx="78">
                   <c:v>1.1187143614688148E-2</c:v>
@@ -2990,10 +2990,10 @@
                   <c:v>1.0304824446064032E-2</c:v>
                 </c:pt>
                 <c:pt idx="84">
-                  <c:v>1.1340178852933588E-2</c:v>
+                  <c:v>1.1340154967659338E-2</c:v>
                 </c:pt>
                 <c:pt idx="85">
-                  <c:v>1.3233236750245259E-2</c:v>
+                  <c:v>1.3233213935342564E-2</c:v>
                 </c:pt>
                 <c:pt idx="86">
                   <c:v>1.5900605037287182E-2</c:v>
@@ -3002,7 +3002,7 @@
                   <c:v>1.3419339830428778E-2</c:v>
                 </c:pt>
                 <c:pt idx="88">
-                  <c:v>1.2120085604526584E-2</c:v>
+                  <c:v>1.2120041295765412E-2</c:v>
                 </c:pt>
                 <c:pt idx="89">
                   <c:v>1.1324210999815249E-2</c:v>
@@ -3035,7 +3035,7 @@
                   <c:v>1.1026154552684341E-2</c:v>
                 </c:pt>
                 <c:pt idx="99">
-                  <c:v>1.2851216855424744E-2</c:v>
+                  <c:v>1.2851195538871801E-2</c:v>
                 </c:pt>
                 <c:pt idx="100">
                   <c:v>1.6332602152731728E-2</c:v>
@@ -3056,7 +3056,7 @@
                   <c:v>1.0673106829302843E-2</c:v>
                 </c:pt>
                 <c:pt idx="106">
-                  <c:v>1.0400184625617091E-2</c:v>
+                  <c:v>1.0400213294191173E-2</c:v>
                 </c:pt>
                 <c:pt idx="107">
                   <c:v>1.0205776647379015E-2</c:v>
@@ -3068,13 +3068,13 @@
                   <c:v>1.0240540380399361E-2</c:v>
                 </c:pt>
                 <c:pt idx="110">
-                  <c:v>1.0709953581080475E-2</c:v>
+                  <c:v>1.0709931134794437E-2</c:v>
                 </c:pt>
                 <c:pt idx="111">
                   <c:v>1.177602252620117E-2</c:v>
                 </c:pt>
                 <c:pt idx="112">
-                  <c:v>1.3646765646709101E-2</c:v>
+                  <c:v>1.3646745452195547E-2</c:v>
                 </c:pt>
                 <c:pt idx="113">
                   <c:v>2.4455336766275582E-2</c:v>
@@ -3092,16 +3092,16 @@
                   <c:v>1.4565172048008964E-2</c:v>
                 </c:pt>
                 <c:pt idx="118">
-                  <c:v>1.4053795913409781E-2</c:v>
+                  <c:v>1.405382351804515E-2</c:v>
                 </c:pt>
                 <c:pt idx="119">
                   <c:v>1.2527411505505438E-2</c:v>
                 </c:pt>
                 <c:pt idx="120">
-                  <c:v>1.3528733446159846E-2</c:v>
+                  <c:v>1.3528757520095719E-2</c:v>
                 </c:pt>
                 <c:pt idx="121">
-                  <c:v>1.3590874893493591E-2</c:v>
+                  <c:v>1.3590897554431573E-2</c:v>
                 </c:pt>
                 <c:pt idx="122">
                   <c:v>1.4097998737846422E-2</c:v>
@@ -3110,7 +3110,7 @@
                   <c:v>1.5214366276468005E-2</c:v>
                 </c:pt>
                 <c:pt idx="124">
-                  <c:v>1.6927283549991363E-2</c:v>
+                  <c:v>1.6927264348393787E-2</c:v>
                 </c:pt>
                 <c:pt idx="125">
                   <c:v>3.1571205432937177E-2</c:v>
@@ -3119,13 +3119,13 @@
                   <c:v>2.8471339154624839E-2</c:v>
                 </c:pt>
                 <c:pt idx="127">
-                  <c:v>2.6326116143505378E-2</c:v>
+                  <c:v>2.632614446842621E-2</c:v>
                 </c:pt>
                 <c:pt idx="128">
-                  <c:v>2.4563905951906748E-2</c:v>
+                  <c:v>2.4563932157906872E-2</c:v>
                 </c:pt>
                 <c:pt idx="129">
-                  <c:v>2.3576436801224822E-2</c:v>
+                  <c:v>2.3576461180646643E-2</c:v>
                 </c:pt>
                 <c:pt idx="130">
                   <c:v>2.2757825731672243E-2</c:v>
@@ -3278,7 +3278,7 @@
                   <c:v>-5.1678547617826551E-4</c:v>
                 </c:pt>
                 <c:pt idx="42">
-                  <c:v>1.6400287525447931E-5</c:v>
+                  <c:v>1.6400335767972751E-5</c:v>
                 </c:pt>
                 <c:pt idx="43">
                   <c:v>-3.9679705073161385E-4</c:v>
@@ -3497,7 +3497,7 @@
                   <c:v>8.0778885036979636E-3</c:v>
                 </c:pt>
                 <c:pt idx="115">
-                  <c:v>2.3947261562134899E-3</c:v>
+                  <c:v>2.3947297181774142E-3</c:v>
                 </c:pt>
                 <c:pt idx="116">
                   <c:v>4.4759597634515865E-3</c:v>
@@ -3609,7 +3609,7 @@
                   <c:v>1.273007472537975E-2</c:v>
                 </c:pt>
                 <c:pt idx="1">
-                  <c:v>1.9721610269623352E-2</c:v>
+                  <c:v>1.9721572154928611E-2</c:v>
                 </c:pt>
                 <c:pt idx="2">
                   <c:v>1.0563340600659693E-2</c:v>
@@ -3630,7 +3630,7 @@
                   <c:v>1.0042258171013535E-2</c:v>
                 </c:pt>
                 <c:pt idx="8">
-                  <c:v>1.0653826989805767E-2</c:v>
+                  <c:v>1.065384943417739E-2</c:v>
                 </c:pt>
                 <c:pt idx="9">
                   <c:v>1.273007472537975E-2</c:v>
@@ -3645,7 +3645,7 @@
                   <c:v>1.5527074816282512E-2</c:v>
                 </c:pt>
                 <c:pt idx="13">
-                  <c:v>1.1231772342076063E-2</c:v>
+                  <c:v>1.1231739610030407E-2</c:v>
                 </c:pt>
                 <c:pt idx="14">
                   <c:v>9.9044236098680995E-3</c:v>
@@ -3654,37 +3654,37 @@
                   <c:v>1.5790338555735639E-2</c:v>
                 </c:pt>
                 <c:pt idx="16">
-                  <c:v>1.0213218063208563E-2</c:v>
+                  <c:v>1.0213186395591866E-2</c:v>
                 </c:pt>
                 <c:pt idx="17">
                   <c:v>1.0009418733802296E-2</c:v>
                 </c:pt>
                 <c:pt idx="18">
-                  <c:v>9.8255252203210495E-3</c:v>
+                  <c:v>9.8254973756386876E-3</c:v>
                 </c:pt>
                 <c:pt idx="19">
                   <c:v>1.2381680202937477E-2</c:v>
                 </c:pt>
                 <c:pt idx="20">
-                  <c:v>3.1650257757324614E-2</c:v>
+                  <c:v>3.165032563285447E-2</c:v>
                 </c:pt>
                 <c:pt idx="21">
-                  <c:v>2.3348243652151032E-2</c:v>
+                  <c:v>2.3348268015417076E-2</c:v>
                 </c:pt>
                 <c:pt idx="22">
-                  <c:v>2.3307487054124398E-2</c:v>
+                  <c:v>2.3307668942085052E-2</c:v>
                 </c:pt>
                 <c:pt idx="23">
                   <c:v>1.273007472537975E-2</c:v>
                 </c:pt>
                 <c:pt idx="24">
-                  <c:v>1.1669166865546124E-2</c:v>
+                  <c:v>1.166922368824793E-2</c:v>
                 </c:pt>
                 <c:pt idx="25">
-                  <c:v>1.1966303141121924E-2</c:v>
+                  <c:v>1.1966357561113652E-2</c:v>
                 </c:pt>
                 <c:pt idx="26">
-                  <c:v>1.3994233059612612E-2</c:v>
+                  <c:v>1.3994285296391483E-2</c:v>
                 </c:pt>
                 <c:pt idx="27">
                   <c:v>1.2736043447813756E-2</c:v>
@@ -3711,10 +3711,10 @@
                   <c:v>1.7135942026633343E-2</c:v>
                 </c:pt>
                 <c:pt idx="35">
-                  <c:v>1.8121450638540704E-2</c:v>
+                  <c:v>1.8121411283181489E-2</c:v>
                 </c:pt>
                 <c:pt idx="36">
-                  <c:v>1.9721610269623352E-2</c:v>
+                  <c:v>1.9721572154928611E-2</c:v>
                 </c:pt>
                 <c:pt idx="37">
                   <c:v>2.231982413244565E-2</c:v>
@@ -3747,7 +3747,7 @@
                   <c:v>1.1065301998057992E-2</c:v>
                 </c:pt>
                 <c:pt idx="47">
-                  <c:v>1.1421866424421355E-2</c:v>
+                  <c:v>1.1421904275251237E-2</c:v>
                 </c:pt>
                 <c:pt idx="48">
                   <c:v>1.1759899982555095E-2</c:v>
@@ -3807,7 +3807,7 @@
                   <c:v>1.0164708338303709E-2</c:v>
                 </c:pt>
                 <c:pt idx="67">
-                  <c:v>1.06964538359728E-2</c:v>
+                  <c:v>1.0696482360458216E-2</c:v>
                 </c:pt>
                 <c:pt idx="68">
                   <c:v>1.1320080868049207E-2</c:v>
@@ -3822,7 +3822,7 @@
                   <c:v>1.6841090972401496E-2</c:v>
                 </c:pt>
                 <c:pt idx="72">
-                  <c:v>1.3178139158920252E-2</c:v>
+                  <c:v>1.317808597987705E-2</c:v>
                 </c:pt>
                 <c:pt idx="73">
                   <c:v>1.1875098836958553E-2</c:v>
@@ -3834,13 +3834,13 @@
                   <c:v>1.0548081413136241E-2</c:v>
                 </c:pt>
                 <c:pt idx="76">
-                  <c:v>1.0204394710223094E-2</c:v>
+                  <c:v>1.0204357384673382E-2</c:v>
                 </c:pt>
                 <c:pt idx="77">
                   <c:v>1.0024913499632396E-2</c:v>
                 </c:pt>
                 <c:pt idx="78">
-                  <c:v>1.1231772342076063E-2</c:v>
+                  <c:v>1.1231739610030407E-2</c:v>
                 </c:pt>
                 <c:pt idx="79">
                   <c:v>9.9044236098680995E-3</c:v>
@@ -3882,13 +3882,13 @@
                   <c:v>1.0462906255103708E-2</c:v>
                 </c:pt>
                 <c:pt idx="92">
-                  <c:v>1.0213218063208563E-2</c:v>
+                  <c:v>1.0213186395591866E-2</c:v>
                 </c:pt>
                 <c:pt idx="93">
                   <c:v>1.0009418733802296E-2</c:v>
                 </c:pt>
                 <c:pt idx="94">
-                  <c:v>9.8255252203210495E-3</c:v>
+                  <c:v>9.8254973756386876E-3</c:v>
                 </c:pt>
                 <c:pt idx="95">
                   <c:v>9.7016614925592645E-3</c:v>
@@ -3906,13 +3906,13 @@
                   <c:v>1.2381680202937477E-2</c:v>
                 </c:pt>
                 <c:pt idx="100">
-                  <c:v>1.6348105107969822E-2</c:v>
+                  <c:v>1.634815612135063E-2</c:v>
                 </c:pt>
                 <c:pt idx="101">
-                  <c:v>1.3741754373377222E-2</c:v>
+                  <c:v>1.3741799217029825E-2</c:v>
                 </c:pt>
                 <c:pt idx="102">
-                  <c:v>1.234888902270127E-2</c:v>
+                  <c:v>1.2348929166415768E-2</c:v>
                 </c:pt>
                 <c:pt idx="103">
                   <c:v>1.1540893330613911E-2</c:v>
@@ -3921,7 +3921,7 @@
                   <c:v>1.1014047117206049E-2</c:v>
                 </c:pt>
                 <c:pt idx="105">
-                  <c:v>1.0653828860734547E-2</c:v>
+                  <c:v>1.0653859656686726E-2</c:v>
                 </c:pt>
                 <c:pt idx="106">
                   <c:v>1.0374191883717262E-2</c:v>
@@ -3936,7 +3936,7 @@
                   <c:v>1.0229080360613157E-2</c:v>
                 </c:pt>
                 <c:pt idx="110">
-                  <c:v>1.0653826989805767E-2</c:v>
+                  <c:v>1.065384943417739E-2</c:v>
                 </c:pt>
                 <c:pt idx="111">
                   <c:v>1.156601065356767E-2</c:v>
@@ -3945,28 +3945,28 @@
                   <c:v>1.312878839886767E-2</c:v>
                 </c:pt>
                 <c:pt idx="113">
-                  <c:v>2.4577392143115512E-2</c:v>
+                  <c:v>2.4577481456341463E-2</c:v>
                 </c:pt>
                 <c:pt idx="114">
-                  <c:v>1.9111940269010794E-2</c:v>
+                  <c:v>1.9112019320081736E-2</c:v>
                 </c:pt>
                 <c:pt idx="115">
-                  <c:v>1.6908120852937091E-2</c:v>
+                  <c:v>1.6908192085364943E-2</c:v>
                 </c:pt>
                 <c:pt idx="116">
-                  <c:v>1.5577697757859152E-2</c:v>
+                  <c:v>1.5577762522181782E-2</c:v>
                 </c:pt>
                 <c:pt idx="117">
-                  <c:v>1.4528784190816111E-2</c:v>
+                  <c:v>1.4528813983488899E-2</c:v>
                 </c:pt>
                 <c:pt idx="118">
-                  <c:v>1.3989937183294511E-2</c:v>
+                  <c:v>1.3989964782901492E-2</c:v>
                 </c:pt>
                 <c:pt idx="119">
-                  <c:v>1.2431566880683483E-2</c:v>
+                  <c:v>1.2431592583263509E-2</c:v>
                 </c:pt>
                 <c:pt idx="120">
-                  <c:v>1.3423313710294637E-2</c:v>
+                  <c:v>1.3423337777799173E-2</c:v>
                 </c:pt>
                 <c:pt idx="121">
                   <c:v>1.3455324335222663E-2</c:v>
@@ -3975,28 +3975,28 @@
                   <c:v>1.3885455470824976E-2</c:v>
                 </c:pt>
                 <c:pt idx="123">
-                  <c:v>1.4836002032137734E-2</c:v>
+                  <c:v>1.4836022272553392E-2</c:v>
                 </c:pt>
                 <c:pt idx="124">
                   <c:v>1.6254721326577615E-2</c:v>
                 </c:pt>
                 <c:pt idx="125">
-                  <c:v>3.1650257757324614E-2</c:v>
+                  <c:v>3.165032563285447E-2</c:v>
                 </c:pt>
                 <c:pt idx="126">
-                  <c:v>2.8467355777845055E-2</c:v>
+                  <c:v>2.8467417563067268E-2</c:v>
                 </c:pt>
                 <c:pt idx="127">
-                  <c:v>2.6242887473460721E-2</c:v>
+                  <c:v>2.6242944090587403E-2</c:v>
                 </c:pt>
                 <c:pt idx="128">
-                  <c:v>2.4407961762587572E-2</c:v>
+                  <c:v>2.4408014142604594E-2</c:v>
                 </c:pt>
                 <c:pt idx="129">
-                  <c:v>2.3348243652151032E-2</c:v>
+                  <c:v>2.3348268015417076E-2</c:v>
                 </c:pt>
                 <c:pt idx="130">
-                  <c:v>2.245970740252453E-2</c:v>
+                  <c:v>2.2459753021089462E-2</c:v>
                 </c:pt>
                 <c:pt idx="131">
                   <c:v>2.2068029311664836E-2</c:v>
@@ -4008,7 +4008,7 @@
                   <c:v>2.2436253461675472E-2</c:v>
                 </c:pt>
                 <c:pt idx="134">
-                  <c:v>2.3307487054124398E-2</c:v>
+                  <c:v>2.3307668942085052E-2</c:v>
                 </c:pt>
               </c:numCache>
             </c:numRef>
@@ -4020,7 +4020,7 @@
                 <c:formatCode>0.00E+00</c:formatCode>
                 <c:ptCount val="135"/>
                 <c:pt idx="0">
-                  <c:v>1.1101168965373057E-3</c:v>
+                  <c:v>1.1101228697890844E-3</c:v>
                 </c:pt>
                 <c:pt idx="1">
                   <c:v>-4.1820205361975263E-4</c:v>
@@ -4047,7 +4047,7 @@
                   <c:v>-1.8806946981905347E-3</c:v>
                 </c:pt>
                 <c:pt idx="9">
-                  <c:v>1.1101168965373057E-3</c:v>
+                  <c:v>1.1101228697890844E-3</c:v>
                 </c:pt>
                 <c:pt idx="10">
                   <c:v>3.3379382905240039E-4</c:v>
@@ -4065,10 +4065,10 @@
                   <c:v>-8.5608300363542087E-5</c:v>
                 </c:pt>
                 <c:pt idx="15">
-                  <c:v>5.0258081217359983E-4</c:v>
+                  <c:v>5.0258137493246896E-4</c:v>
                 </c:pt>
                 <c:pt idx="16">
-                  <c:v>2.2099087972639177E-3</c:v>
+                  <c:v>2.2099119640255874E-3</c:v>
                 </c:pt>
                 <c:pt idx="17">
                   <c:v>-5.0034209552017768E-4</c:v>
@@ -4089,7 +4089,7 @@
                   <c:v>3.4850642701108967E-3</c:v>
                 </c:pt>
                 <c:pt idx="23">
-                  <c:v>1.1101168965373057E-3</c:v>
+                  <c:v>1.1101228697890844E-3</c:v>
                 </c:pt>
                 <c:pt idx="24">
                   <c:v>2.0804779925675909E-3</c:v>
@@ -4107,7 +4107,7 @@
                   <c:v>1.4225153314513775E-3</c:v>
                 </c:pt>
                 <c:pt idx="29">
-                  <c:v>-6.904384350370476E-5</c:v>
+                  <c:v>-6.9043371560715473E-5</c:v>
                 </c:pt>
                 <c:pt idx="30">
                   <c:v>3.3379382905240039E-4</c:v>
@@ -4149,7 +4149,7 @@
                   <c:v>1.9869237855906001E-4</c:v>
                 </c:pt>
                 <c:pt idx="43">
-                  <c:v>-1.8233418483714991E-4</c:v>
+                  <c:v>-1.8233372867439105E-4</c:v>
                 </c:pt>
                 <c:pt idx="44">
                   <c:v>5.3286984261831794E-4</c:v>
@@ -4248,7 +4248,7 @@
                   <c:v>-2.3623456193742655E-3</c:v>
                 </c:pt>
                 <c:pt idx="76">
-                  <c:v>2.7245486407901069E-5</c:v>
+                  <c:v>2.724559838455021E-5</c:v>
                 </c:pt>
                 <c:pt idx="77">
                   <c:v>-7.4887540811099929E-4</c:v>
@@ -4272,13 +4272,13 @@
                   <c:v>5.310577674474523E-4</c:v>
                 </c:pt>
                 <c:pt idx="84">
-                  <c:v>-1.6900863757536382E-3</c:v>
+                  <c:v>-1.6900839870436371E-3</c:v>
                 </c:pt>
                 <c:pt idx="85">
                   <c:v>-2.7181874187144914E-3</c:v>
                 </c:pt>
                 <c:pt idx="86">
-                  <c:v>5.0258081217359983E-4</c:v>
+                  <c:v>5.0258137493246896E-4</c:v>
                 </c:pt>
                 <c:pt idx="87">
                   <c:v>2.413712379547738E-3</c:v>
@@ -4296,7 +4296,7 @@
                   <c:v>1.8688721487288365E-3</c:v>
                 </c:pt>
                 <c:pt idx="92">
-                  <c:v>2.2099087972639177E-3</c:v>
+                  <c:v>2.2099119640255874E-3</c:v>
                 </c:pt>
                 <c:pt idx="93">
                   <c:v>-5.0034209552017768E-4</c:v>
@@ -4305,7 +4305,7 @@
                   <c:v>1.0325309424032746E-3</c:v>
                 </c:pt>
                 <c:pt idx="95">
-                  <c:v>6.785040788775601E-4</c:v>
+                  <c:v>6.785067053280174E-4</c:v>
                 </c:pt>
                 <c:pt idx="96">
                   <c:v>-1.2340675615901873E-3</c:v>
@@ -4347,7 +4347,7 @@
                   <c:v>4.05482167609627E-4</c:v>
                 </c:pt>
                 <c:pt idx="109">
-                  <c:v>-7.4231184885341332E-5</c:v>
+                  <c:v>-7.4230947889313386E-5</c:v>
                 </c:pt>
                 <c:pt idx="110">
                   <c:v>-1.8806946981905347E-3</c:v>
@@ -4508,10 +4508,10 @@
                   <c:v>1.1037020072306107E-2</c:v>
                 </c:pt>
                 <c:pt idx="14">
-                  <c:v>9.6970304542692426E-3</c:v>
+                  <c:v>9.6969996082556277E-3</c:v>
                 </c:pt>
                 <c:pt idx="15">
-                  <c:v>1.5933256836871298E-2</c:v>
+                  <c:v>1.5933369331668411E-2</c:v>
                 </c:pt>
                 <c:pt idx="16">
                   <c:v>1.0001108166554267E-2</c:v>
@@ -4523,10 +4523,10 @@
                   <c:v>9.7048353562989333E-3</c:v>
                 </c:pt>
                 <c:pt idx="19">
-                  <c:v>1.0111815615900492E-2</c:v>
+                  <c:v>1.0111836885753241E-2</c:v>
                 </c:pt>
                 <c:pt idx="20">
-                  <c:v>1.4151590114493733E-2</c:v>
+                  <c:v>1.4151727356007919E-2</c:v>
                 </c:pt>
                 <c:pt idx="21">
                   <c:v>1.105120241587999E-2</c:v>
@@ -4538,7 +4538,7 @@
                   <c:v>1.374449497152623E-2</c:v>
                 </c:pt>
                 <c:pt idx="24">
-                  <c:v>1.2397864425070286E-2</c:v>
+                  <c:v>1.2397807627864708E-2</c:v>
                 </c:pt>
                 <c:pt idx="25">
                   <c:v>1.251803606669675E-2</c:v>
@@ -4550,7 +4550,7 @@
                   <c:v>1.3202503559623057E-2</c:v>
                 </c:pt>
                 <c:pt idx="28">
-                  <c:v>1.3737586342667982E-2</c:v>
+                  <c:v>1.3737634952192532E-2</c:v>
                 </c:pt>
                 <c:pt idx="29">
                   <c:v>1.4367336548388466E-2</c:v>
@@ -4607,7 +4607,7 @@
                   <c:v>1.1115049557319524E-2</c:v>
                 </c:pt>
                 <c:pt idx="47">
-                  <c:v>1.1450430226791791E-2</c:v>
+                  <c:v>1.1450392371376763E-2</c:v>
                 </c:pt>
                 <c:pt idx="48">
                   <c:v>1.1815260460213022E-2</c:v>
@@ -4643,16 +4643,16 @@
                   <c:v>1.1754675026083836E-2</c:v>
                 </c:pt>
                 <c:pt idx="59">
-                  <c:v>1.0536574240576836E-2</c:v>
+                  <c:v>1.0536530381312444E-2</c:v>
                 </c:pt>
                 <c:pt idx="60">
-                  <c:v>1.021990598311634E-2</c:v>
+                  <c:v>1.021986496353359E-2</c:v>
                 </c:pt>
                 <c:pt idx="61">
                   <c:v>1.0022850228887622E-2</c:v>
                 </c:pt>
                 <c:pt idx="62">
-                  <c:v>9.9658029389806443E-3</c:v>
+                  <c:v>9.9657665203853087E-3</c:v>
                 </c:pt>
                 <c:pt idx="63">
                   <c:v>1.0032176455543959E-2</c:v>
@@ -4679,10 +4679,10 @@
                   <c:v>1.1704538067258408E-2</c:v>
                 </c:pt>
                 <c:pt idx="71">
-                  <c:v>1.7142111264478187E-2</c:v>
+                  <c:v>1.7142171277681091E-2</c:v>
                 </c:pt>
                 <c:pt idx="72">
-                  <c:v>1.3384942464588481E-2</c:v>
+                  <c:v>1.3384995615084111E-2</c:v>
                 </c:pt>
                 <c:pt idx="73">
                   <c:v>1.201951168114637E-2</c:v>
@@ -4703,7 +4703,7 @@
                   <c:v>1.1037020072306107E-2</c:v>
                 </c:pt>
                 <c:pt idx="79">
-                  <c:v>9.6970304542692426E-3</c:v>
+                  <c:v>9.6969996082556277E-3</c:v>
                 </c:pt>
                 <c:pt idx="80">
                   <c:v>9.302980431978804E-3</c:v>
@@ -4724,19 +4724,19 @@
                   <c:v>1.0571360904704105E-2</c:v>
                 </c:pt>
                 <c:pt idx="86">
-                  <c:v>1.5933256836871298E-2</c:v>
+                  <c:v>1.5933369331668411E-2</c:v>
                 </c:pt>
                 <c:pt idx="87">
-                  <c:v>1.3527581259585416E-2</c:v>
+                  <c:v>1.3527630732696779E-2</c:v>
                 </c:pt>
                 <c:pt idx="88">
-                  <c:v>1.2170927904463226E-2</c:v>
+                  <c:v>1.2170972200074417E-2</c:v>
                 </c:pt>
                 <c:pt idx="89">
                   <c:v>1.1299546646428385E-2</c:v>
                 </c:pt>
                 <c:pt idx="90">
-                  <c:v>1.0702288952675351E-2</c:v>
+                  <c:v>1.070225215279311E-2</c:v>
                 </c:pt>
                 <c:pt idx="91">
                   <c:v>1.0279337971389206E-2</c:v>
@@ -4751,7 +4751,7 @@
                   <c:v>9.7048353562989333E-3</c:v>
                 </c:pt>
                 <c:pt idx="95">
-                  <c:v>9.6304384344028226E-3</c:v>
+                  <c:v>9.6304121871325383E-3</c:v>
                 </c:pt>
                 <c:pt idx="96">
                   <c:v>9.5904160635949948E-3</c:v>
@@ -4763,19 +4763,19 @@
                   <c:v>9.7423608424263702E-3</c:v>
                 </c:pt>
                 <c:pt idx="99">
-                  <c:v>1.0111815615900492E-2</c:v>
+                  <c:v>1.0111836885753241E-2</c:v>
                 </c:pt>
                 <c:pt idx="100">
-                  <c:v>1.5683031631438308E-2</c:v>
+                  <c:v>1.5683236001900646E-2</c:v>
                 </c:pt>
                 <c:pt idx="101">
-                  <c:v>1.3377857624073657E-2</c:v>
+                  <c:v>1.3377947451156525E-2</c:v>
                 </c:pt>
                 <c:pt idx="102">
-                  <c:v>1.2114023801865553E-2</c:v>
+                  <c:v>1.2114064007719524E-2</c:v>
                 </c:pt>
                 <c:pt idx="103">
-                  <c:v>1.134457980741173E-2</c:v>
+                  <c:v>1.1344616282462796E-2</c:v>
                 </c:pt>
                 <c:pt idx="104">
                   <c:v>1.0825507614213198E-2</c:v>
@@ -4790,7 +4790,7 @@
                   <c:v>9.9544580426613894E-3</c:v>
                 </c:pt>
                 <c:pt idx="108">
-                  <c:v>9.7887488769262138E-3</c:v>
+                  <c:v>9.7887237100066204E-3</c:v>
                 </c:pt>
                 <c:pt idx="109">
                   <c:v>9.664360657058689E-3</c:v>
@@ -4805,31 +4805,31 @@
                   <c:v>9.9957060174218765E-3</c:v>
                 </c:pt>
                 <c:pt idx="113">
-                  <c:v>1.8569805100010332E-2</c:v>
+                  <c:v>1.8569984772736459E-2</c:v>
                 </c:pt>
                 <c:pt idx="114">
-                  <c:v>1.3264405823135957E-2</c:v>
+                  <c:v>1.3264564794906545E-2</c:v>
                 </c:pt>
                 <c:pt idx="115">
-                  <c:v>1.2045168172511061E-2</c:v>
+                  <c:v>1.2045239765746932E-2</c:v>
                 </c:pt>
                 <c:pt idx="116">
-                  <c:v>1.1308229384243985E-2</c:v>
+                  <c:v>1.130826191917023E-2</c:v>
                 </c:pt>
                 <c:pt idx="117">
-                  <c:v>1.0831578065535315E-2</c:v>
+                  <c:v>1.0831607984872782E-2</c:v>
                 </c:pt>
                 <c:pt idx="118">
                   <c:v>1.0522592960981462E-2</c:v>
                 </c:pt>
                 <c:pt idx="119">
-                  <c:v>8.6085915961532002E-3</c:v>
+                  <c:v>8.6085658064066883E-3</c:v>
                 </c:pt>
                 <c:pt idx="120">
                   <c:v>1.0032560003089459E-2</c:v>
                 </c:pt>
                 <c:pt idx="121">
-                  <c:v>9.8687431033934701E-3</c:v>
+                  <c:v>9.8687203985160094E-3</c:v>
                 </c:pt>
                 <c:pt idx="122">
                   <c:v>9.7870503843674166E-3</c:v>
@@ -4841,16 +4841,16 @@
                   <c:v>1.0162304629761159E-2</c:v>
                 </c:pt>
                 <c:pt idx="125">
-                  <c:v>1.4151590114493733E-2</c:v>
+                  <c:v>1.4151727356007919E-2</c:v>
                 </c:pt>
                 <c:pt idx="126">
-                  <c:v>1.2814089482191558E-2</c:v>
+                  <c:v>1.2814183095866644E-2</c:v>
                 </c:pt>
                 <c:pt idx="127">
-                  <c:v>1.199350840450183E-2</c:v>
+                  <c:v>1.1993565548828399E-2</c:v>
                 </c:pt>
                 <c:pt idx="128">
-                  <c:v>1.1436525083064376E-2</c:v>
+                  <c:v>1.1436551494630529E-2</c:v>
                 </c:pt>
                 <c:pt idx="129">
                   <c:v>1.105120241587999E-2</c:v>
@@ -4859,13 +4859,13 @@
                   <c:v>1.0776147168251345E-2</c:v>
                 </c:pt>
                 <c:pt idx="131">
-                  <c:v>1.0582823608099506E-2</c:v>
+                  <c:v>1.0582802032428234E-2</c:v>
                 </c:pt>
                 <c:pt idx="132">
                   <c:v>1.0514607720235091E-2</c:v>
                 </c:pt>
                 <c:pt idx="133">
-                  <c:v>1.0586399035234336E-2</c:v>
+                  <c:v>1.0586379801469075E-2</c:v>
                 </c:pt>
                 <c:pt idx="134">
                   <c:v>1.088991734813244E-2</c:v>
@@ -4910,7 +4910,7 @@
                   <c:v>7.1688168894572355E-4</c:v>
                 </c:pt>
                 <c:pt idx="10">
-                  <c:v>1.2002742293014009E-3</c:v>
+                  <c:v>1.2002787997897576E-3</c:v>
                 </c:pt>
                 <c:pt idx="11">
                   <c:v>1.8834004528344808E-3</c:v>
@@ -4931,7 +4931,7 @@
                   <c:v>2.3918951864411076E-3</c:v>
                 </c:pt>
                 <c:pt idx="17">
-                  <c:v>-2.238935327890939E-4</c:v>
+                  <c:v>-2.2389323668493629E-4</c:v>
                 </c:pt>
                 <c:pt idx="18">
                   <c:v>1.4667497933430005E-3</c:v>
@@ -4946,7 +4946,7 @@
                   <c:v>1.5061072169504424E-3</c:v>
                 </c:pt>
                 <c:pt idx="22">
-                  <c:v>1.6005354395659546E-4</c:v>
+                  <c:v>1.6005372645133505E-4</c:v>
                 </c:pt>
                 <c:pt idx="23">
                   <c:v>7.1688168894572355E-4</c:v>
@@ -4970,7 +4970,7 @@
                   <c:v>1.0457367520400516E-3</c:v>
                 </c:pt>
                 <c:pt idx="30">
-                  <c:v>1.2002742293014009E-3</c:v>
+                  <c:v>1.2002787997897576E-3</c:v>
                 </c:pt>
                 <c:pt idx="31">
                   <c:v>1.6926388864229533E-3</c:v>
@@ -5111,7 +5111,7 @@
                   <c:v>4.9340392033965334E-4</c:v>
                 </c:pt>
                 <c:pt idx="77">
-                  <c:v>-3.1056112622292501E-4</c:v>
+                  <c:v>-3.1056077793528117E-4</c:v>
                 </c:pt>
                 <c:pt idx="78">
                   <c:v>-2.5460288897250082E-3</c:v>
@@ -5159,7 +5159,7 @@
                   <c:v>2.3918951864411076E-3</c:v>
                 </c:pt>
                 <c:pt idx="93">
-                  <c:v>-2.238935327890939E-4</c:v>
+                  <c:v>-2.2389323668493629E-4</c:v>
                 </c:pt>
                 <c:pt idx="94">
                   <c:v>1.4667497933430005E-3</c:v>
@@ -5204,7 +5204,7 @@
                   <c:v>2.0395608875585702E-3</c:v>
                 </c:pt>
                 <c:pt idx="108">
-                  <c:v>3.2053343802771888E-6</c:v>
+                  <c:v>3.2053595471967829E-6</c:v>
                 </c:pt>
                 <c:pt idx="109">
                   <c:v>-9.0683768583759352E-5</c:v>
@@ -5282,7 +5282,7 @@
                   <c:v>-1.3644413841386832E-3</c:v>
                 </c:pt>
                 <c:pt idx="134">
-                  <c:v>1.6005354395659546E-4</c:v>
+                  <c:v>1.6005372645133505E-4</c:v>
                 </c:pt>
               </c:numCache>
             </c:numRef>
@@ -5297,11 +5297,11 @@
           <c:showPercent val="0"/>
           <c:showBubbleSize val="0"/>
         </c:dLbls>
-        <c:axId val="66213504"/>
-        <c:axId val="66214080"/>
+        <c:axId val="41662080"/>
+        <c:axId val="41662656"/>
       </c:scatterChart>
       <c:valAx>
-        <c:axId val="66213504"/>
+        <c:axId val="41662080"/>
         <c:scaling>
           <c:orientation val="minMax"/>
         </c:scaling>
@@ -5337,12 +5337,12 @@
         <c:majorTickMark val="out"/>
         <c:minorTickMark val="none"/>
         <c:tickLblPos val="nextTo"/>
-        <c:crossAx val="66214080"/>
+        <c:crossAx val="41662656"/>
         <c:crossesAt val="-5.000000000000001E-2"/>
         <c:crossBetween val="midCat"/>
       </c:valAx>
       <c:valAx>
-        <c:axId val="66214080"/>
+        <c:axId val="41662656"/>
         <c:scaling>
           <c:orientation val="minMax"/>
         </c:scaling>
@@ -5376,7 +5376,7 @@
         <c:majorTickMark val="out"/>
         <c:minorTickMark val="none"/>
         <c:tickLblPos val="nextTo"/>
-        <c:crossAx val="66213504"/>
+        <c:crossAx val="41662080"/>
         <c:crosses val="autoZero"/>
         <c:crossBetween val="midCat"/>
       </c:valAx>
@@ -5589,7 +5589,7 @@
           <a:p>
             <a:fld id="{987A5A01-F4F1-466C-A6C7-6D43425C9F0D}" type="datetimeFigureOut">
               <a:rPr lang="en-US" smtClean="0"/>
-              <a:t>2/6/2015</a:t>
+              <a:t>2/16/2015</a:t>
             </a:fld>
             <a:endParaRPr lang="en-US"/>
           </a:p>
@@ -5759,7 +5759,7 @@
           <a:p>
             <a:fld id="{987A5A01-F4F1-466C-A6C7-6D43425C9F0D}" type="datetimeFigureOut">
               <a:rPr lang="en-US" smtClean="0"/>
-              <a:t>2/6/2015</a:t>
+              <a:t>2/16/2015</a:t>
             </a:fld>
             <a:endParaRPr lang="en-US"/>
           </a:p>
@@ -5939,7 +5939,7 @@
           <a:p>
             <a:fld id="{987A5A01-F4F1-466C-A6C7-6D43425C9F0D}" type="datetimeFigureOut">
               <a:rPr lang="en-US" smtClean="0"/>
-              <a:t>2/6/2015</a:t>
+              <a:t>2/16/2015</a:t>
             </a:fld>
             <a:endParaRPr lang="en-US"/>
           </a:p>
@@ -6109,7 +6109,7 @@
           <a:p>
             <a:fld id="{987A5A01-F4F1-466C-A6C7-6D43425C9F0D}" type="datetimeFigureOut">
               <a:rPr lang="en-US" smtClean="0"/>
-              <a:t>2/6/2015</a:t>
+              <a:t>2/16/2015</a:t>
             </a:fld>
             <a:endParaRPr lang="en-US"/>
           </a:p>
@@ -6355,7 +6355,7 @@
           <a:p>
             <a:fld id="{987A5A01-F4F1-466C-A6C7-6D43425C9F0D}" type="datetimeFigureOut">
               <a:rPr lang="en-US" smtClean="0"/>
-              <a:t>2/6/2015</a:t>
+              <a:t>2/16/2015</a:t>
             </a:fld>
             <a:endParaRPr lang="en-US"/>
           </a:p>
@@ -6643,7 +6643,7 @@
           <a:p>
             <a:fld id="{987A5A01-F4F1-466C-A6C7-6D43425C9F0D}" type="datetimeFigureOut">
               <a:rPr lang="en-US" smtClean="0"/>
-              <a:t>2/6/2015</a:t>
+              <a:t>2/16/2015</a:t>
             </a:fld>
             <a:endParaRPr lang="en-US"/>
           </a:p>
@@ -7065,7 +7065,7 @@
           <a:p>
             <a:fld id="{987A5A01-F4F1-466C-A6C7-6D43425C9F0D}" type="datetimeFigureOut">
               <a:rPr lang="en-US" smtClean="0"/>
-              <a:t>2/6/2015</a:t>
+              <a:t>2/16/2015</a:t>
             </a:fld>
             <a:endParaRPr lang="en-US"/>
           </a:p>
@@ -7183,7 +7183,7 @@
           <a:p>
             <a:fld id="{987A5A01-F4F1-466C-A6C7-6D43425C9F0D}" type="datetimeFigureOut">
               <a:rPr lang="en-US" smtClean="0"/>
-              <a:t>2/6/2015</a:t>
+              <a:t>2/16/2015</a:t>
             </a:fld>
             <a:endParaRPr lang="en-US"/>
           </a:p>
@@ -7278,7 +7278,7 @@
           <a:p>
             <a:fld id="{987A5A01-F4F1-466C-A6C7-6D43425C9F0D}" type="datetimeFigureOut">
               <a:rPr lang="en-US" smtClean="0"/>
-              <a:t>2/6/2015</a:t>
+              <a:t>2/16/2015</a:t>
             </a:fld>
             <a:endParaRPr lang="en-US"/>
           </a:p>
@@ -7555,7 +7555,7 @@
           <a:p>
             <a:fld id="{987A5A01-F4F1-466C-A6C7-6D43425C9F0D}" type="datetimeFigureOut">
               <a:rPr lang="en-US" smtClean="0"/>
-              <a:t>2/6/2015</a:t>
+              <a:t>2/16/2015</a:t>
             </a:fld>
             <a:endParaRPr lang="en-US"/>
           </a:p>
@@ -7808,7 +7808,7 @@
           <a:p>
             <a:fld id="{987A5A01-F4F1-466C-A6C7-6D43425C9F0D}" type="datetimeFigureOut">
               <a:rPr lang="en-US" smtClean="0"/>
-              <a:t>2/6/2015</a:t>
+              <a:t>2/16/2015</a:t>
             </a:fld>
             <a:endParaRPr lang="en-US"/>
           </a:p>
@@ -8021,7 +8021,7 @@
           <a:p>
             <a:fld id="{987A5A01-F4F1-466C-A6C7-6D43425C9F0D}" type="datetimeFigureOut">
               <a:rPr lang="en-US" smtClean="0"/>
-              <a:t>2/6/2015</a:t>
+              <a:t>2/16/2015</a:t>
             </a:fld>
             <a:endParaRPr lang="en-US"/>
           </a:p>
@@ -8405,7 +8405,7 @@
           <p:nvPr>
             <p:extLst>
               <p:ext uri="{D42A27DB-BD31-4B8C-83A1-F6EECF244321}">
-                <p14:modId xmlns:p14="http://schemas.microsoft.com/office/powerpoint/2010/main" val="2876048612"/>
+                <p14:modId xmlns:p14="http://schemas.microsoft.com/office/powerpoint/2010/main" val="4105211461"/>
               </p:ext>
             </p:extLst>
           </p:nvPr>
